--- a/assets/images/github_images.pptx
+++ b/assets/images/github_images.pptx
@@ -6,6 +6,7 @@
   </p:sldMasterIdLst>
   <p:sldIdLst>
     <p:sldId id="256" r:id="rId2"/>
+    <p:sldId id="257" r:id="rId3"/>
   </p:sldIdLst>
   <p:sldSz cx="9144000" cy="5143500" type="screen16x9"/>
   <p:notesSz cx="6858000" cy="9144000"/>
@@ -288,7 +289,7 @@
           <a:p>
             <a:fld id="{32CFE66A-321B-664F-A277-E50D200C7C8A}" type="datetimeFigureOut">
               <a:rPr lang="en-US" smtClean="0"/>
-              <a:t>23/02/18</a:t>
+              <a:t>27/02/18</a:t>
             </a:fld>
             <a:endParaRPr lang="en-US"/>
           </a:p>
@@ -458,7 +459,7 @@
           <a:p>
             <a:fld id="{32CFE66A-321B-664F-A277-E50D200C7C8A}" type="datetimeFigureOut">
               <a:rPr lang="en-US" smtClean="0"/>
-              <a:t>23/02/18</a:t>
+              <a:t>27/02/18</a:t>
             </a:fld>
             <a:endParaRPr lang="en-US"/>
           </a:p>
@@ -638,7 +639,7 @@
           <a:p>
             <a:fld id="{32CFE66A-321B-664F-A277-E50D200C7C8A}" type="datetimeFigureOut">
               <a:rPr lang="en-US" smtClean="0"/>
-              <a:t>23/02/18</a:t>
+              <a:t>27/02/18</a:t>
             </a:fld>
             <a:endParaRPr lang="en-US"/>
           </a:p>
@@ -808,7 +809,7 @@
           <a:p>
             <a:fld id="{32CFE66A-321B-664F-A277-E50D200C7C8A}" type="datetimeFigureOut">
               <a:rPr lang="en-US" smtClean="0"/>
-              <a:t>23/02/18</a:t>
+              <a:t>27/02/18</a:t>
             </a:fld>
             <a:endParaRPr lang="en-US"/>
           </a:p>
@@ -1054,7 +1055,7 @@
           <a:p>
             <a:fld id="{32CFE66A-321B-664F-A277-E50D200C7C8A}" type="datetimeFigureOut">
               <a:rPr lang="en-US" smtClean="0"/>
-              <a:t>23/02/18</a:t>
+              <a:t>27/02/18</a:t>
             </a:fld>
             <a:endParaRPr lang="en-US"/>
           </a:p>
@@ -1342,7 +1343,7 @@
           <a:p>
             <a:fld id="{32CFE66A-321B-664F-A277-E50D200C7C8A}" type="datetimeFigureOut">
               <a:rPr lang="en-US" smtClean="0"/>
-              <a:t>23/02/18</a:t>
+              <a:t>27/02/18</a:t>
             </a:fld>
             <a:endParaRPr lang="en-US"/>
           </a:p>
@@ -1764,7 +1765,7 @@
           <a:p>
             <a:fld id="{32CFE66A-321B-664F-A277-E50D200C7C8A}" type="datetimeFigureOut">
               <a:rPr lang="en-US" smtClean="0"/>
-              <a:t>23/02/18</a:t>
+              <a:t>27/02/18</a:t>
             </a:fld>
             <a:endParaRPr lang="en-US"/>
           </a:p>
@@ -1882,7 +1883,7 @@
           <a:p>
             <a:fld id="{32CFE66A-321B-664F-A277-E50D200C7C8A}" type="datetimeFigureOut">
               <a:rPr lang="en-US" smtClean="0"/>
-              <a:t>23/02/18</a:t>
+              <a:t>27/02/18</a:t>
             </a:fld>
             <a:endParaRPr lang="en-US"/>
           </a:p>
@@ -1977,7 +1978,7 @@
           <a:p>
             <a:fld id="{32CFE66A-321B-664F-A277-E50D200C7C8A}" type="datetimeFigureOut">
               <a:rPr lang="en-US" smtClean="0"/>
-              <a:t>23/02/18</a:t>
+              <a:t>27/02/18</a:t>
             </a:fld>
             <a:endParaRPr lang="en-US"/>
           </a:p>
@@ -2254,7 +2255,7 @@
           <a:p>
             <a:fld id="{32CFE66A-321B-664F-A277-E50D200C7C8A}" type="datetimeFigureOut">
               <a:rPr lang="en-US" smtClean="0"/>
-              <a:t>23/02/18</a:t>
+              <a:t>27/02/18</a:t>
             </a:fld>
             <a:endParaRPr lang="en-US"/>
           </a:p>
@@ -2507,7 +2508,7 @@
           <a:p>
             <a:fld id="{32CFE66A-321B-664F-A277-E50D200C7C8A}" type="datetimeFigureOut">
               <a:rPr lang="en-US" smtClean="0"/>
-              <a:t>23/02/18</a:t>
+              <a:t>27/02/18</a:t>
             </a:fld>
             <a:endParaRPr lang="en-US"/>
           </a:p>
@@ -2720,7 +2721,7 @@
           <a:p>
             <a:fld id="{32CFE66A-321B-664F-A277-E50D200C7C8A}" type="datetimeFigureOut">
               <a:rPr lang="en-US" smtClean="0"/>
-              <a:t>23/02/18</a:t>
+              <a:t>27/02/18</a:t>
             </a:fld>
             <a:endParaRPr lang="en-US"/>
           </a:p>
@@ -3173,7 +3174,7 @@
       </p:sp>
       <p:pic>
         <p:nvPicPr>
-          <p:cNvPr id="8" name="Picture 7" descr="Screen Shot 2018-02-23 at 18.31.25.png"/>
+          <p:cNvPr id="12" name="Picture 11" descr="Screen Shot 2018-02-23 at 18.38.38.png"/>
           <p:cNvPicPr>
             <a:picLocks noChangeAspect="1"/>
           </p:cNvPicPr>
@@ -3192,9 +3193,9 @@
           </a:stretch>
         </p:blipFill>
         <p:spPr>
-          <a:xfrm rot="1800000">
-            <a:off x="348791" y="408981"/>
-            <a:ext cx="2520000" cy="3299414"/>
+          <a:xfrm rot="20700000">
+            <a:off x="6697427" y="1223393"/>
+            <a:ext cx="2290909" cy="3062163"/>
           </a:xfrm>
           <a:prstGeom prst="rect">
             <a:avLst/>
@@ -3203,21 +3204,22 @@
       </p:pic>
       <p:pic>
         <p:nvPicPr>
-          <p:cNvPr id="10" name="Picture 9"/>
+          <p:cNvPr id="13" name="Picture 12"/>
           <p:cNvPicPr>
             <a:picLocks noChangeAspect="1"/>
           </p:cNvPicPr>
           <p:nvPr/>
         </p:nvPicPr>
-        <p:blipFill rotWithShape="1">
+        <p:blipFill>
           <a:blip r:embed="rId4"/>
-          <a:srcRect r="3744"/>
-          <a:stretch/>
+          <a:stretch>
+            <a:fillRect/>
+          </a:stretch>
         </p:blipFill>
         <p:spPr>
-          <a:xfrm rot="19800000">
-            <a:off x="2208136" y="684832"/>
-            <a:ext cx="2520000" cy="3495020"/>
+          <a:xfrm rot="1800000">
+            <a:off x="5139" y="1245093"/>
+            <a:ext cx="2290909" cy="3055496"/>
           </a:xfrm>
           <a:prstGeom prst="rect">
             <a:avLst/>
@@ -3226,7 +3228,7 @@
       </p:pic>
       <p:pic>
         <p:nvPicPr>
-          <p:cNvPr id="11" name="Picture 10"/>
+          <p:cNvPr id="17" name="Picture 16"/>
           <p:cNvPicPr>
             <a:picLocks noChangeAspect="1"/>
           </p:cNvPicPr>
@@ -3239,9 +3241,39 @@
           </a:stretch>
         </p:blipFill>
         <p:spPr>
+          <a:xfrm rot="19800000">
+            <a:off x="2346263" y="1017411"/>
+            <a:ext cx="2520000" cy="3469049"/>
+          </a:xfrm>
+          <a:prstGeom prst="rect">
+            <a:avLst/>
+          </a:prstGeom>
+        </p:spPr>
+      </p:pic>
+      <p:pic>
+        <p:nvPicPr>
+          <p:cNvPr id="18" name="Picture 17" descr="Screen Shot 2018-02-23 at 18.31.25.png"/>
+          <p:cNvPicPr>
+            <a:picLocks noChangeAspect="1"/>
+          </p:cNvPicPr>
+          <p:nvPr/>
+        </p:nvPicPr>
+        <p:blipFill>
+          <a:blip r:embed="rId6">
+            <a:extLst>
+              <a:ext uri="{28A0092B-C50C-407E-A947-70E740481C1C}">
+                <a14:useLocalDpi xmlns:a14="http://schemas.microsoft.com/office/drawing/2010/main" val="0"/>
+              </a:ext>
+            </a:extLst>
+          </a:blip>
+          <a:stretch>
+            <a:fillRect/>
+          </a:stretch>
+        </p:blipFill>
+        <p:spPr>
           <a:xfrm rot="900000">
-            <a:off x="4426445" y="1043153"/>
-            <a:ext cx="2520000" cy="3361046"/>
+            <a:off x="4588244" y="606016"/>
+            <a:ext cx="2290909" cy="2999467"/>
           </a:xfrm>
           <a:prstGeom prst="rect">
             <a:avLst/>
@@ -3252,6 +3284,228 @@
     <p:extLst>
       <p:ext uri="{BB962C8B-B14F-4D97-AF65-F5344CB8AC3E}">
         <p14:creationId xmlns:p14="http://schemas.microsoft.com/office/powerpoint/2010/main" val="3272274722"/>
+      </p:ext>
+    </p:extLst>
+  </p:cSld>
+  <p:clrMapOvr>
+    <a:masterClrMapping/>
+  </p:clrMapOvr>
+</p:sld>
+</file>
+
+<file path=ppt/slides/slide2.xml><?xml version="1.0" encoding="utf-8"?>
+<p:sld xmlns:a="http://schemas.openxmlformats.org/drawingml/2006/main" xmlns:r="http://schemas.openxmlformats.org/officeDocument/2006/relationships" xmlns:p="http://schemas.openxmlformats.org/presentationml/2006/main">
+  <p:cSld>
+    <p:spTree>
+      <p:nvGrpSpPr>
+        <p:cNvPr id="1" name=""/>
+        <p:cNvGrpSpPr/>
+        <p:nvPr/>
+      </p:nvGrpSpPr>
+      <p:grpSpPr>
+        <a:xfrm>
+          <a:off x="0" y="0"/>
+          <a:ext cx="0" cy="0"/>
+          <a:chOff x="0" y="0"/>
+          <a:chExt cx="0" cy="0"/>
+        </a:xfrm>
+      </p:grpSpPr>
+      <p:sp>
+        <p:nvSpPr>
+          <p:cNvPr id="4" name="Rectangle 3"/>
+          <p:cNvSpPr/>
+          <p:nvPr/>
+        </p:nvSpPr>
+        <p:spPr>
+          <a:xfrm>
+            <a:off x="0" y="2572895"/>
+            <a:ext cx="4569965" cy="2570605"/>
+          </a:xfrm>
+          <a:prstGeom prst="rect">
+            <a:avLst/>
+          </a:prstGeom>
+          <a:solidFill>
+            <a:schemeClr val="bg1">
+              <a:lumMod val="50000"/>
+            </a:schemeClr>
+          </a:solidFill>
+          <a:ln>
+            <a:solidFill>
+              <a:schemeClr val="bg1"/>
+            </a:solidFill>
+          </a:ln>
+        </p:spPr>
+        <p:style>
+          <a:lnRef idx="2">
+            <a:schemeClr val="dk1"/>
+          </a:lnRef>
+          <a:fillRef idx="1">
+            <a:schemeClr val="lt1"/>
+          </a:fillRef>
+          <a:effectRef idx="0">
+            <a:schemeClr val="dk1"/>
+          </a:effectRef>
+          <a:fontRef idx="minor">
+            <a:schemeClr val="dk1"/>
+          </a:fontRef>
+        </p:style>
+        <p:txBody>
+          <a:bodyPr rtlCol="0" anchor="ctr"/>
+          <a:lstStyle/>
+          <a:p>
+            <a:pPr algn="ctr"/>
+            <a:endParaRPr lang="en-US"/>
+          </a:p>
+        </p:txBody>
+      </p:sp>
+      <p:sp>
+        <p:nvSpPr>
+          <p:cNvPr id="6" name="Rectangle 5"/>
+          <p:cNvSpPr/>
+          <p:nvPr/>
+        </p:nvSpPr>
+        <p:spPr>
+          <a:xfrm>
+            <a:off x="4574035" y="2572895"/>
+            <a:ext cx="4569965" cy="2570605"/>
+          </a:xfrm>
+          <a:prstGeom prst="rect">
+            <a:avLst/>
+          </a:prstGeom>
+          <a:solidFill>
+            <a:schemeClr val="bg1">
+              <a:lumMod val="50000"/>
+            </a:schemeClr>
+          </a:solidFill>
+          <a:ln>
+            <a:solidFill>
+              <a:schemeClr val="bg1"/>
+            </a:solidFill>
+          </a:ln>
+        </p:spPr>
+        <p:style>
+          <a:lnRef idx="2">
+            <a:schemeClr val="dk1"/>
+          </a:lnRef>
+          <a:fillRef idx="1">
+            <a:schemeClr val="lt1"/>
+          </a:fillRef>
+          <a:effectRef idx="0">
+            <a:schemeClr val="dk1"/>
+          </a:effectRef>
+          <a:fontRef idx="minor">
+            <a:schemeClr val="dk1"/>
+          </a:fontRef>
+        </p:style>
+        <p:txBody>
+          <a:bodyPr rtlCol="0" anchor="ctr"/>
+          <a:lstStyle/>
+          <a:p>
+            <a:pPr algn="ctr"/>
+            <a:endParaRPr lang="en-US"/>
+          </a:p>
+        </p:txBody>
+      </p:sp>
+      <p:sp>
+        <p:nvSpPr>
+          <p:cNvPr id="7" name="Rectangle 6"/>
+          <p:cNvSpPr/>
+          <p:nvPr/>
+        </p:nvSpPr>
+        <p:spPr>
+          <a:xfrm>
+            <a:off x="4574035" y="0"/>
+            <a:ext cx="4569965" cy="2570605"/>
+          </a:xfrm>
+          <a:prstGeom prst="rect">
+            <a:avLst/>
+          </a:prstGeom>
+          <a:solidFill>
+            <a:schemeClr val="bg1">
+              <a:lumMod val="50000"/>
+            </a:schemeClr>
+          </a:solidFill>
+          <a:ln>
+            <a:solidFill>
+              <a:schemeClr val="bg1"/>
+            </a:solidFill>
+          </a:ln>
+        </p:spPr>
+        <p:style>
+          <a:lnRef idx="2">
+            <a:schemeClr val="dk1"/>
+          </a:lnRef>
+          <a:fillRef idx="1">
+            <a:schemeClr val="lt1"/>
+          </a:fillRef>
+          <a:effectRef idx="0">
+            <a:schemeClr val="dk1"/>
+          </a:effectRef>
+          <a:fontRef idx="minor">
+            <a:schemeClr val="dk1"/>
+          </a:fontRef>
+        </p:style>
+        <p:txBody>
+          <a:bodyPr rtlCol="0" anchor="ctr"/>
+          <a:lstStyle/>
+          <a:p>
+            <a:pPr algn="ctr"/>
+            <a:endParaRPr lang="en-US"/>
+          </a:p>
+        </p:txBody>
+      </p:sp>
+      <p:sp>
+        <p:nvSpPr>
+          <p:cNvPr id="8" name="Rectangle 7"/>
+          <p:cNvSpPr/>
+          <p:nvPr/>
+        </p:nvSpPr>
+        <p:spPr>
+          <a:xfrm>
+            <a:off x="0" y="0"/>
+            <a:ext cx="4569965" cy="2570605"/>
+          </a:xfrm>
+          <a:prstGeom prst="rect">
+            <a:avLst/>
+          </a:prstGeom>
+          <a:solidFill>
+            <a:schemeClr val="bg1">
+              <a:lumMod val="50000"/>
+            </a:schemeClr>
+          </a:solidFill>
+          <a:ln>
+            <a:solidFill>
+              <a:schemeClr val="bg1"/>
+            </a:solidFill>
+          </a:ln>
+        </p:spPr>
+        <p:style>
+          <a:lnRef idx="2">
+            <a:schemeClr val="dk1"/>
+          </a:lnRef>
+          <a:fillRef idx="1">
+            <a:schemeClr val="lt1"/>
+          </a:fillRef>
+          <a:effectRef idx="0">
+            <a:schemeClr val="dk1"/>
+          </a:effectRef>
+          <a:fontRef idx="minor">
+            <a:schemeClr val="dk1"/>
+          </a:fontRef>
+        </p:style>
+        <p:txBody>
+          <a:bodyPr rtlCol="0" anchor="ctr"/>
+          <a:lstStyle/>
+          <a:p>
+            <a:pPr algn="ctr"/>
+            <a:endParaRPr lang="en-US"/>
+          </a:p>
+        </p:txBody>
+      </p:sp>
+    </p:spTree>
+    <p:extLst>
+      <p:ext uri="{BB962C8B-B14F-4D97-AF65-F5344CB8AC3E}">
+        <p14:creationId xmlns:p14="http://schemas.microsoft.com/office/powerpoint/2010/main" val="2939889541"/>
       </p:ext>
     </p:extLst>
   </p:cSld>
